--- a/פרויקט הגמר/מסכים.pptx
+++ b/פרויקט הגמר/מסכים.pptx
@@ -11,7 +11,8 @@
     <p:sldId id="259" r:id="rId5"/>
     <p:sldId id="260" r:id="rId6"/>
     <p:sldId id="261" r:id="rId7"/>
-    <p:sldId id="262" r:id="rId8"/>
+    <p:sldId id="263" r:id="rId8"/>
+    <p:sldId id="262" r:id="rId9"/>
   </p:sldIdLst>
   <p:sldSz cx="12192000" cy="6858000"/>
   <p:notesSz cx="6858000" cy="9144000"/>
@@ -291,7 +292,7 @@
           <a:p>
             <a:fld id="{E43060B5-0D09-4F3E-A2C9-508F7F551961}" type="datetimeFigureOut">
               <a:rPr lang="he-IL" smtClean="0"/>
-              <a:t>י'/אייר/תשפ"ב</a:t>
+              <a:t>כ"א/אייר/תשפ"ב</a:t>
             </a:fld>
             <a:endParaRPr lang="he-IL"/>
           </a:p>
@@ -489,7 +490,7 @@
           <a:p>
             <a:fld id="{E43060B5-0D09-4F3E-A2C9-508F7F551961}" type="datetimeFigureOut">
               <a:rPr lang="he-IL" smtClean="0"/>
-              <a:t>י'/אייר/תשפ"ב</a:t>
+              <a:t>כ"א/אייר/תשפ"ב</a:t>
             </a:fld>
             <a:endParaRPr lang="he-IL"/>
           </a:p>
@@ -697,7 +698,7 @@
           <a:p>
             <a:fld id="{E43060B5-0D09-4F3E-A2C9-508F7F551961}" type="datetimeFigureOut">
               <a:rPr lang="he-IL" smtClean="0"/>
-              <a:t>י'/אייר/תשפ"ב</a:t>
+              <a:t>כ"א/אייר/תשפ"ב</a:t>
             </a:fld>
             <a:endParaRPr lang="he-IL"/>
           </a:p>
@@ -895,7 +896,7 @@
           <a:p>
             <a:fld id="{E43060B5-0D09-4F3E-A2C9-508F7F551961}" type="datetimeFigureOut">
               <a:rPr lang="he-IL" smtClean="0"/>
-              <a:t>י'/אייר/תשפ"ב</a:t>
+              <a:t>כ"א/אייר/תשפ"ב</a:t>
             </a:fld>
             <a:endParaRPr lang="he-IL"/>
           </a:p>
@@ -1170,7 +1171,7 @@
           <a:p>
             <a:fld id="{E43060B5-0D09-4F3E-A2C9-508F7F551961}" type="datetimeFigureOut">
               <a:rPr lang="he-IL" smtClean="0"/>
-              <a:t>י'/אייר/תשפ"ב</a:t>
+              <a:t>כ"א/אייר/תשפ"ב</a:t>
             </a:fld>
             <a:endParaRPr lang="he-IL"/>
           </a:p>
@@ -1435,7 +1436,7 @@
           <a:p>
             <a:fld id="{E43060B5-0D09-4F3E-A2C9-508F7F551961}" type="datetimeFigureOut">
               <a:rPr lang="he-IL" smtClean="0"/>
-              <a:t>י'/אייר/תשפ"ב</a:t>
+              <a:t>כ"א/אייר/תשפ"ב</a:t>
             </a:fld>
             <a:endParaRPr lang="he-IL"/>
           </a:p>
@@ -1847,7 +1848,7 @@
           <a:p>
             <a:fld id="{E43060B5-0D09-4F3E-A2C9-508F7F551961}" type="datetimeFigureOut">
               <a:rPr lang="he-IL" smtClean="0"/>
-              <a:t>י'/אייר/תשפ"ב</a:t>
+              <a:t>כ"א/אייר/תשפ"ב</a:t>
             </a:fld>
             <a:endParaRPr lang="he-IL"/>
           </a:p>
@@ -1988,7 +1989,7 @@
           <a:p>
             <a:fld id="{E43060B5-0D09-4F3E-A2C9-508F7F551961}" type="datetimeFigureOut">
               <a:rPr lang="he-IL" smtClean="0"/>
-              <a:t>י'/אייר/תשפ"ב</a:t>
+              <a:t>כ"א/אייר/תשפ"ב</a:t>
             </a:fld>
             <a:endParaRPr lang="he-IL"/>
           </a:p>
@@ -2101,7 +2102,7 @@
           <a:p>
             <a:fld id="{E43060B5-0D09-4F3E-A2C9-508F7F551961}" type="datetimeFigureOut">
               <a:rPr lang="he-IL" smtClean="0"/>
-              <a:t>י'/אייר/תשפ"ב</a:t>
+              <a:t>כ"א/אייר/תשפ"ב</a:t>
             </a:fld>
             <a:endParaRPr lang="he-IL"/>
           </a:p>
@@ -2412,7 +2413,7 @@
           <a:p>
             <a:fld id="{E43060B5-0D09-4F3E-A2C9-508F7F551961}" type="datetimeFigureOut">
               <a:rPr lang="he-IL" smtClean="0"/>
-              <a:t>י'/אייר/תשפ"ב</a:t>
+              <a:t>כ"א/אייר/תשפ"ב</a:t>
             </a:fld>
             <a:endParaRPr lang="he-IL"/>
           </a:p>
@@ -2700,7 +2701,7 @@
           <a:p>
             <a:fld id="{E43060B5-0D09-4F3E-A2C9-508F7F551961}" type="datetimeFigureOut">
               <a:rPr lang="he-IL" smtClean="0"/>
-              <a:t>י'/אייר/תשפ"ב</a:t>
+              <a:t>כ"א/אייר/תשפ"ב</a:t>
             </a:fld>
             <a:endParaRPr lang="he-IL"/>
           </a:p>
@@ -2959,7 +2960,7 @@
           <a:p>
             <a:fld id="{E43060B5-0D09-4F3E-A2C9-508F7F551961}" type="datetimeFigureOut">
               <a:rPr lang="he-IL" smtClean="0"/>
-              <a:t>י'/אייר/תשפ"ב</a:t>
+              <a:t>כ"א/אייר/תשפ"ב</a:t>
             </a:fld>
             <a:endParaRPr lang="he-IL"/>
           </a:p>
@@ -14885,6 +14886,144 @@
 </file>
 
 <file path=ppt/slides/slide7.xml><?xml version="1.0" encoding="utf-8"?>
+<p:sld xmlns:a="http://schemas.openxmlformats.org/drawingml/2006/main" xmlns:r="http://schemas.openxmlformats.org/officeDocument/2006/relationships" xmlns:p="http://schemas.openxmlformats.org/presentationml/2006/main">
+  <p:cSld>
+    <p:spTree>
+      <p:nvGrpSpPr>
+        <p:cNvPr id="1" name=""/>
+        <p:cNvGrpSpPr/>
+        <p:nvPr/>
+      </p:nvGrpSpPr>
+      <p:grpSpPr>
+        <a:xfrm>
+          <a:off x="0" y="0"/>
+          <a:ext cx="0" cy="0"/>
+          <a:chOff x="0" y="0"/>
+          <a:chExt cx="0" cy="0"/>
+        </a:xfrm>
+      </p:grpSpPr>
+      <p:grpSp>
+        <p:nvGrpSpPr>
+          <p:cNvPr id="9" name="קבוצה 8">
+            <a:extLst>
+              <a:ext uri="{FF2B5EF4-FFF2-40B4-BE49-F238E27FC236}">
+                <a16:creationId xmlns:a16="http://schemas.microsoft.com/office/drawing/2014/main" id="{39F90927-5560-4481-99F3-4228A42BA4EC}"/>
+              </a:ext>
+            </a:extLst>
+          </p:cNvPr>
+          <p:cNvGrpSpPr/>
+          <p:nvPr/>
+        </p:nvGrpSpPr>
+        <p:grpSpPr>
+          <a:xfrm>
+            <a:off x="5414209" y="2173707"/>
+            <a:ext cx="2566737" cy="3352800"/>
+            <a:chOff x="5414209" y="2173707"/>
+            <a:chExt cx="2566737" cy="3352800"/>
+          </a:xfrm>
+        </p:grpSpPr>
+        <p:sp>
+          <p:nvSpPr>
+            <p:cNvPr id="4" name="משולש שווה-שוקיים 3">
+              <a:extLst>
+                <a:ext uri="{FF2B5EF4-FFF2-40B4-BE49-F238E27FC236}">
+                  <a16:creationId xmlns:a16="http://schemas.microsoft.com/office/drawing/2014/main" id="{D3919CFA-8817-4759-9EEC-C635A1C7281F}"/>
+                </a:ext>
+              </a:extLst>
+            </p:cNvPr>
+            <p:cNvSpPr/>
+            <p:nvPr/>
+          </p:nvSpPr>
+          <p:spPr>
+            <a:xfrm rot="16200000">
+              <a:off x="5021178" y="2566738"/>
+              <a:ext cx="3352800" cy="2566737"/>
+            </a:xfrm>
+            <a:prstGeom prst="triangle">
+              <a:avLst/>
+            </a:prstGeom>
+            <a:noFill/>
+            <a:ln w="38100">
+              <a:solidFill>
+                <a:schemeClr val="tx1"/>
+              </a:solidFill>
+            </a:ln>
+          </p:spPr>
+          <p:style>
+            <a:lnRef idx="2">
+              <a:schemeClr val="accent1">
+                <a:shade val="50000"/>
+              </a:schemeClr>
+            </a:lnRef>
+            <a:fillRef idx="1">
+              <a:schemeClr val="accent1"/>
+            </a:fillRef>
+            <a:effectRef idx="0">
+              <a:schemeClr val="accent1"/>
+            </a:effectRef>
+            <a:fontRef idx="minor">
+              <a:schemeClr val="lt1"/>
+            </a:fontRef>
+          </p:style>
+          <p:txBody>
+            <a:bodyPr rtlCol="1" anchor="ctr"/>
+            <a:lstStyle/>
+            <a:p>
+              <a:pPr algn="ctr"/>
+              <a:endParaRPr lang="he-IL"/>
+            </a:p>
+          </p:txBody>
+        </p:sp>
+        <p:sp>
+          <p:nvSpPr>
+            <p:cNvPr id="8" name="TextBox 7">
+              <a:extLst>
+                <a:ext uri="{FF2B5EF4-FFF2-40B4-BE49-F238E27FC236}">
+                  <a16:creationId xmlns:a16="http://schemas.microsoft.com/office/drawing/2014/main" id="{1B36446A-C318-4BBF-93D0-3FC82EC77341}"/>
+                </a:ext>
+              </a:extLst>
+            </p:cNvPr>
+            <p:cNvSpPr txBox="1"/>
+            <p:nvPr/>
+          </p:nvSpPr>
+          <p:spPr>
+            <a:xfrm>
+              <a:off x="6359237" y="3557718"/>
+              <a:ext cx="1155469" cy="584775"/>
+            </a:xfrm>
+            <a:prstGeom prst="rect">
+              <a:avLst/>
+            </a:prstGeom>
+            <a:noFill/>
+          </p:spPr>
+          <p:txBody>
+            <a:bodyPr wrap="square" rtlCol="1">
+              <a:spAutoFit/>
+            </a:bodyPr>
+            <a:lstStyle/>
+            <a:p>
+              <a:r>
+                <a:rPr lang="he-IL" sz="3200" dirty="0"/>
+                <a:t>הבא</a:t>
+              </a:r>
+            </a:p>
+          </p:txBody>
+        </p:sp>
+      </p:grpSp>
+    </p:spTree>
+    <p:extLst>
+      <p:ext uri="{BB962C8B-B14F-4D97-AF65-F5344CB8AC3E}">
+        <p14:creationId xmlns:p14="http://schemas.microsoft.com/office/powerpoint/2010/main" val="2272193528"/>
+      </p:ext>
+    </p:extLst>
+  </p:cSld>
+  <p:clrMapOvr>
+    <a:masterClrMapping/>
+  </p:clrMapOvr>
+</p:sld>
+</file>
+
+<file path=ppt/slides/slide8.xml><?xml version="1.0" encoding="utf-8"?>
 <p:sld xmlns:a="http://schemas.openxmlformats.org/drawingml/2006/main" xmlns:r="http://schemas.openxmlformats.org/officeDocument/2006/relationships" xmlns:p="http://schemas.openxmlformats.org/presentationml/2006/main">
   <p:cSld>
     <p:spTree>
